--- a/OpenResty基础入门.pptx
+++ b/OpenResty基础入门.pptx
@@ -256,7 +256,7 @@
           <a:p>
             <a:fld id="{F19C3FF2-58B8-47EE-82F7-F9D630841371}" type="datetimeFigureOut">
               <a:rPr lang="zh-CN" altLang="en-US" smtClean="0"/>
-              <a:t>2024/6/10</a:t>
+              <a:t>2024/6/17</a:t>
             </a:fld>
             <a:endParaRPr lang="zh-CN" altLang="en-US"/>
           </a:p>
@@ -3901,7 +3901,7 @@
           <a:p>
             <a:fld id="{ABB38CFE-8921-4F39-9EDB-253818DD3C34}" type="datetimeFigureOut">
               <a:rPr lang="zh-CN" altLang="en-US" smtClean="0"/>
-              <a:t>2024/6/10</a:t>
+              <a:t>2024/6/17</a:t>
             </a:fld>
             <a:endParaRPr lang="zh-CN" altLang="en-US"/>
           </a:p>
@@ -14867,10 +14867,10 @@
         </p:nvGrpSpPr>
         <p:grpSpPr>
           <a:xfrm>
-            <a:off x="470726" y="1367082"/>
-            <a:ext cx="3375591" cy="1742467"/>
-            <a:chOff x="3088709" y="1632334"/>
-            <a:chExt cx="3375591" cy="1693250"/>
+            <a:off x="385488" y="1233103"/>
+            <a:ext cx="4663088" cy="1826778"/>
+            <a:chOff x="3088711" y="1632334"/>
+            <a:chExt cx="3375591" cy="2352773"/>
           </a:xfrm>
         </p:grpSpPr>
         <p:sp>
@@ -14887,8 +14887,8 @@
           </p:nvSpPr>
           <p:spPr>
             <a:xfrm>
-              <a:off x="3088709" y="1916403"/>
-              <a:ext cx="3375591" cy="1409181"/>
+              <a:off x="3088711" y="2117418"/>
+              <a:ext cx="3375591" cy="1867689"/>
             </a:xfrm>
             <a:prstGeom prst="rect">
               <a:avLst/>
@@ -14931,31 +14931,79 @@
                 <a:rPr lang="zh-CN" altLang="en-US" sz="1000" dirty="0">
                   <a:sym typeface="HarmonyOS Sans SC Light" panose="00000400000000000000" pitchFamily="2" charset="-122"/>
                 </a:rPr>
-                <a:t>采用事件驱动和异步非阻塞架构，这与传统的基于线程或进程的架构不同，它通过少量的工作线程处理大量的并发连接，每个工作线程可以处理数千个并发请求，而不需要为每个请求创建一个新的线程或进程，同时，使用非阻塞</a:t>
+                <a:t>采用事件驱动架构和异步非阻塞</a:t>
               </a:r>
               <a:r>
                 <a:rPr lang="en-US" altLang="zh-CN" sz="1000" dirty="0">
                   <a:sym typeface="HarmonyOS Sans SC Light" panose="00000400000000000000" pitchFamily="2" charset="-122"/>
                 </a:rPr>
-                <a:t>I/O</a:t>
+                <a:t>IO</a:t>
               </a:r>
               <a:r>
                 <a:rPr lang="zh-CN" altLang="en-US" sz="1000" dirty="0">
                   <a:sym typeface="HarmonyOS Sans SC Light" panose="00000400000000000000" pitchFamily="2" charset="-122"/>
                 </a:rPr>
-                <a:t>操作，意味着它可以同时处理多个链接，而不会因为等待某个</a:t>
+                <a:t>，这与传统的基于线程或进程的架构不同，它通过少量的工作线程处理大量的并发连接，每个工作线程可以处理数千个并发请求，而不需要为每个请求创建一个新的线程或进程。</a:t>
               </a:r>
               <a:r>
                 <a:rPr lang="en-US" altLang="zh-CN" sz="1000" dirty="0">
                   <a:sym typeface="HarmonyOS Sans SC Light" panose="00000400000000000000" pitchFamily="2" charset="-122"/>
                 </a:rPr>
-                <a:t>I/O</a:t>
+                <a:t>Nginx </a:t>
               </a:r>
               <a:r>
                 <a:rPr lang="zh-CN" altLang="en-US" sz="1000" dirty="0">
                   <a:sym typeface="HarmonyOS Sans SC Light" panose="00000400000000000000" pitchFamily="2" charset="-122"/>
                 </a:rPr>
-                <a:t>操作完成而阻塞整个线程。</a:t>
+                <a:t>的核心组件是一个事件循环，它不断监听事件</a:t>
+              </a:r>
+              <a:r>
+                <a:rPr lang="en-US" altLang="zh-CN" sz="1000" dirty="0">
+                  <a:sym typeface="HarmonyOS Sans SC Light" panose="00000400000000000000" pitchFamily="2" charset="-122"/>
+                </a:rPr>
+                <a:t>(</a:t>
+              </a:r>
+              <a:r>
+                <a:rPr lang="zh-CN" altLang="en-US" sz="1000" dirty="0">
+                  <a:sym typeface="HarmonyOS Sans SC Light" panose="00000400000000000000" pitchFamily="2" charset="-122"/>
+                </a:rPr>
+                <a:t>例如新连接到来、请求数据可读性等</a:t>
+              </a:r>
+              <a:r>
+                <a:rPr lang="en-US" altLang="zh-CN" sz="1000" dirty="0">
+                  <a:sym typeface="HarmonyOS Sans SC Light" panose="00000400000000000000" pitchFamily="2" charset="-122"/>
+                </a:rPr>
+                <a:t>)</a:t>
+              </a:r>
+              <a:r>
+                <a:rPr lang="zh-CN" altLang="en-US" sz="1000" dirty="0">
+                  <a:sym typeface="HarmonyOS Sans SC Light" panose="00000400000000000000" pitchFamily="2" charset="-122"/>
+                </a:rPr>
+                <a:t>，并相应地执行处理程序。 </a:t>
+              </a:r>
+              <a:r>
+                <a:rPr lang="en-US" altLang="zh-CN" sz="1000" dirty="0">
+                  <a:sym typeface="HarmonyOS Sans SC Light" panose="00000400000000000000" pitchFamily="2" charset="-122"/>
+                </a:rPr>
+                <a:t>Nginx </a:t>
+              </a:r>
+              <a:r>
+                <a:rPr lang="zh-CN" altLang="en-US" sz="1000" dirty="0">
+                  <a:sym typeface="HarmonyOS Sans SC Light" panose="00000400000000000000" pitchFamily="2" charset="-122"/>
+                </a:rPr>
+                <a:t>使用多路复用</a:t>
+              </a:r>
+              <a:r>
+                <a:rPr lang="en-US" altLang="zh-CN" sz="1000" dirty="0">
+                  <a:sym typeface="HarmonyOS Sans SC Light" panose="00000400000000000000" pitchFamily="2" charset="-122"/>
+                </a:rPr>
+                <a:t>I/0 </a:t>
+              </a:r>
+              <a:r>
+                <a:rPr lang="zh-CN" altLang="en-US" sz="1000" dirty="0">
+                  <a:sym typeface="HarmonyOS Sans SC Light" panose="00000400000000000000" pitchFamily="2" charset="-122"/>
+                </a:rPr>
+                <a:t>来处理输入和输出。这意味着当一个连接等待数据时，它不会阻塞整个线程，而是可以继续处理其他连接。</a:t>
               </a:r>
               <a:endParaRPr lang="en-US" altLang="zh-CN" sz="1000" dirty="0">
                 <a:sym typeface="HarmonyOS Sans SC Light" panose="00000400000000000000" pitchFamily="2" charset="-122"/>
@@ -21597,13 +21645,13 @@
   <p:clrMapOvr>
     <a:masterClrMapping/>
   </p:clrMapOvr>
-  <mc:AlternateContent xmlns:mc="http://schemas.openxmlformats.org/markup-compatibility/2006">
-    <mc:Choice xmlns:p14="http://schemas.microsoft.com/office/powerpoint/2010/main" Requires="p14">
+  <mc:AlternateContent xmlns:mc="http://schemas.openxmlformats.org/markup-compatibility/2006" xmlns:p14="http://schemas.microsoft.com/office/powerpoint/2010/main">
+    <mc:Choice Requires="p14">
       <p:transition spd="slow" p14:dur="900">
         <p14:warp dir="in"/>
       </p:transition>
     </mc:Choice>
-    <mc:Fallback>
+    <mc:Fallback xmlns="">
       <p:transition spd="slow">
         <p:fade/>
       </p:transition>
